--- a/mof.pptx
+++ b/mof.pptx
@@ -7,7 +7,8 @@
   <p:sldIdLst>
     <p:sldId id="256" r:id="rId2"/>
     <p:sldId id="257" r:id="rId3"/>
-    <p:sldId id="259" r:id="rId4"/>
+    <p:sldId id="260" r:id="rId4"/>
+    <p:sldId id="259" r:id="rId5"/>
   </p:sldIdLst>
   <p:sldSz cx="9144000" cy="6858000" type="screen4x3"/>
   <p:notesSz cx="6858000" cy="9144000"/>
@@ -3114,7 +3115,7 @@
           <a:p>
             <a:r>
               <a:rPr lang="en-US" dirty="0" smtClean="0"/>
-              <a:t>MOF</a:t>
+              <a:t>Who rules the football world?</a:t>
             </a:r>
             <a:endParaRPr lang="en-US" dirty="0"/>
           </a:p>
@@ -3197,7 +3198,7 @@
           <a:p>
             <a:r>
               <a:rPr lang="en-US" sz="3600" dirty="0" smtClean="0"/>
-              <a:t>Aim: Show a footballer’s popularity</a:t>
+              <a:t>Aim: Show a footballer’s popularity?</a:t>
             </a:r>
             <a:endParaRPr lang="en-US" sz="3600" dirty="0"/>
           </a:p>
@@ -3218,19 +3219,12 @@
           <a:bodyPr/>
           <a:lstStyle/>
           <a:p>
+            <a:pPr marL="0" indent="0">
+              <a:buNone/>
+            </a:pPr>
             <a:r>
               <a:rPr lang="en-US" dirty="0" smtClean="0"/>
-              <a:t>Based on how other footballers see them</a:t>
-            </a:r>
-          </a:p>
-          <a:p>
-            <a:r>
-              <a:rPr lang="en-US" dirty="0" smtClean="0"/>
-              <a:t>Based on the count of events in which </a:t>
-            </a:r>
-            <a:r>
-              <a:rPr lang="en-US" smtClean="0"/>
-              <a:t>they occur</a:t>
+              <a:t>Based on the count of events in which they occur</a:t>
             </a:r>
             <a:endParaRPr lang="en-US" dirty="0"/>
           </a:p>
@@ -3257,6 +3251,743 @@
 </file>
 
 <file path=ppt/slides/slide3.xml><?xml version="1.0" encoding="utf-8"?>
+<p:sld xmlns:a="http://schemas.openxmlformats.org/drawingml/2006/main" xmlns:r="http://schemas.openxmlformats.org/officeDocument/2006/relationships" xmlns:p="http://schemas.openxmlformats.org/presentationml/2006/main">
+  <p:cSld>
+    <p:spTree>
+      <p:nvGrpSpPr>
+        <p:cNvPr id="1" name=""/>
+        <p:cNvGrpSpPr/>
+        <p:nvPr/>
+      </p:nvGrpSpPr>
+      <p:grpSpPr>
+        <a:xfrm>
+          <a:off x="0" y="0"/>
+          <a:ext cx="0" cy="0"/>
+          <a:chOff x="0" y="0"/>
+          <a:chExt cx="0" cy="0"/>
+        </a:xfrm>
+      </p:grpSpPr>
+      <p:sp>
+        <p:nvSpPr>
+          <p:cNvPr id="2" name="Title 1"/>
+          <p:cNvSpPr>
+            <a:spLocks noGrp="1"/>
+          </p:cNvSpPr>
+          <p:nvPr>
+            <p:ph type="title"/>
+          </p:nvPr>
+        </p:nvSpPr>
+        <p:spPr/>
+        <p:txBody>
+          <a:bodyPr/>
+          <a:lstStyle/>
+          <a:p>
+            <a:r>
+              <a:rPr lang="en-US" dirty="0" smtClean="0"/>
+              <a:t>Events labels</a:t>
+            </a:r>
+            <a:endParaRPr lang="en-US" dirty="0"/>
+          </a:p>
+        </p:txBody>
+      </p:sp>
+      <p:sp>
+        <p:nvSpPr>
+          <p:cNvPr id="3" name="Content Placeholder 2"/>
+          <p:cNvSpPr>
+            <a:spLocks noGrp="1"/>
+          </p:cNvSpPr>
+          <p:nvPr>
+            <p:ph idx="1"/>
+          </p:nvPr>
+        </p:nvSpPr>
+        <p:spPr/>
+        <p:txBody>
+          <a:bodyPr>
+            <a:normAutofit fontScale="55000" lnSpcReduction="20000"/>
+          </a:bodyPr>
+          <a:lstStyle/>
+          <a:p>
+            <a:pPr marL="0">
+              <a:lnSpc>
+                <a:spcPct val="50000"/>
+              </a:lnSpc>
+              <a:spcBef>
+                <a:spcPts val="0"/>
+              </a:spcBef>
+            </a:pPr>
+            <a:r>
+              <a:rPr lang="en-US" dirty="0" smtClean="0"/>
+              <a:t>add</a:t>
+            </a:r>
+          </a:p>
+          <a:p>
+            <a:pPr marL="0">
+              <a:lnSpc>
+                <a:spcPct val="50000"/>
+              </a:lnSpc>
+              <a:spcBef>
+                <a:spcPts val="0"/>
+              </a:spcBef>
+            </a:pPr>
+            <a:endParaRPr lang="en-US" dirty="0" smtClean="0"/>
+          </a:p>
+          <a:p>
+            <a:pPr marL="0">
+              <a:lnSpc>
+                <a:spcPct val="50000"/>
+              </a:lnSpc>
+              <a:spcBef>
+                <a:spcPts val="0"/>
+              </a:spcBef>
+            </a:pPr>
+            <a:r>
+              <a:rPr lang="en-US" dirty="0" smtClean="0"/>
+              <a:t>fun</a:t>
+            </a:r>
+          </a:p>
+          <a:p>
+            <a:pPr marL="0">
+              <a:lnSpc>
+                <a:spcPct val="50000"/>
+              </a:lnSpc>
+              <a:spcBef>
+                <a:spcPts val="0"/>
+              </a:spcBef>
+            </a:pPr>
+            <a:endParaRPr lang="en-US" dirty="0" smtClean="0"/>
+          </a:p>
+          <a:p>
+            <a:pPr marL="0">
+              <a:lnSpc>
+                <a:spcPct val="50000"/>
+              </a:lnSpc>
+              <a:spcBef>
+                <a:spcPts val="0"/>
+              </a:spcBef>
+            </a:pPr>
+            <a:r>
+              <a:rPr lang="en-US" dirty="0" smtClean="0"/>
+              <a:t>follow</a:t>
+            </a:r>
+          </a:p>
+          <a:p>
+            <a:pPr marL="0">
+              <a:lnSpc>
+                <a:spcPct val="50000"/>
+              </a:lnSpc>
+              <a:spcBef>
+                <a:spcPts val="0"/>
+              </a:spcBef>
+            </a:pPr>
+            <a:endParaRPr lang="en-US" dirty="0" smtClean="0"/>
+          </a:p>
+          <a:p>
+            <a:pPr marL="0">
+              <a:lnSpc>
+                <a:spcPct val="50000"/>
+              </a:lnSpc>
+              <a:spcBef>
+                <a:spcPts val="0"/>
+              </a:spcBef>
+            </a:pPr>
+            <a:r>
+              <a:rPr lang="en-US" dirty="0" smtClean="0"/>
+              <a:t>fan</a:t>
+            </a:r>
+          </a:p>
+          <a:p>
+            <a:pPr marL="0">
+              <a:lnSpc>
+                <a:spcPct val="50000"/>
+              </a:lnSpc>
+              <a:spcBef>
+                <a:spcPts val="0"/>
+              </a:spcBef>
+            </a:pPr>
+            <a:endParaRPr lang="en-US" dirty="0" smtClean="0"/>
+          </a:p>
+          <a:p>
+            <a:pPr marL="0">
+              <a:lnSpc>
+                <a:spcPct val="50000"/>
+              </a:lnSpc>
+              <a:spcBef>
+                <a:spcPts val="0"/>
+              </a:spcBef>
+            </a:pPr>
+            <a:r>
+              <a:rPr lang="en-US" dirty="0" smtClean="0"/>
+              <a:t>miss</a:t>
+            </a:r>
+          </a:p>
+          <a:p>
+            <a:pPr marL="0">
+              <a:lnSpc>
+                <a:spcPct val="50000"/>
+              </a:lnSpc>
+              <a:spcBef>
+                <a:spcPts val="0"/>
+              </a:spcBef>
+            </a:pPr>
+            <a:endParaRPr lang="en-US" dirty="0" smtClean="0"/>
+          </a:p>
+          <a:p>
+            <a:pPr marL="0">
+              <a:lnSpc>
+                <a:spcPct val="50000"/>
+              </a:lnSpc>
+              <a:spcBef>
+                <a:spcPts val="0"/>
+              </a:spcBef>
+            </a:pPr>
+            <a:r>
+              <a:rPr lang="en-US" dirty="0" smtClean="0"/>
+              <a:t>visit</a:t>
+            </a:r>
+          </a:p>
+          <a:p>
+            <a:pPr marL="0">
+              <a:lnSpc>
+                <a:spcPct val="50000"/>
+              </a:lnSpc>
+              <a:spcBef>
+                <a:spcPts val="0"/>
+              </a:spcBef>
+            </a:pPr>
+            <a:endParaRPr lang="en-US" dirty="0" smtClean="0"/>
+          </a:p>
+          <a:p>
+            <a:pPr marL="0">
+              <a:lnSpc>
+                <a:spcPct val="50000"/>
+              </a:lnSpc>
+              <a:spcBef>
+                <a:spcPts val="0"/>
+              </a:spcBef>
+            </a:pPr>
+            <a:r>
+              <a:rPr lang="en-US" dirty="0" smtClean="0"/>
+              <a:t>want</a:t>
+            </a:r>
+          </a:p>
+          <a:p>
+            <a:pPr marL="0">
+              <a:lnSpc>
+                <a:spcPct val="50000"/>
+              </a:lnSpc>
+              <a:spcBef>
+                <a:spcPts val="0"/>
+              </a:spcBef>
+            </a:pPr>
+            <a:endParaRPr lang="en-US" dirty="0" smtClean="0"/>
+          </a:p>
+          <a:p>
+            <a:pPr marL="0">
+              <a:lnSpc>
+                <a:spcPct val="50000"/>
+              </a:lnSpc>
+              <a:spcBef>
+                <a:spcPts val="0"/>
+              </a:spcBef>
+            </a:pPr>
+            <a:r>
+              <a:rPr lang="en-US" dirty="0" smtClean="0"/>
+              <a:t>stand</a:t>
+            </a:r>
+          </a:p>
+          <a:p>
+            <a:pPr marL="0">
+              <a:lnSpc>
+                <a:spcPct val="50000"/>
+              </a:lnSpc>
+              <a:spcBef>
+                <a:spcPts val="0"/>
+              </a:spcBef>
+            </a:pPr>
+            <a:endParaRPr lang="en-US" dirty="0" smtClean="0"/>
+          </a:p>
+          <a:p>
+            <a:pPr marL="0">
+              <a:lnSpc>
+                <a:spcPct val="50000"/>
+              </a:lnSpc>
+              <a:spcBef>
+                <a:spcPts val="0"/>
+              </a:spcBef>
+            </a:pPr>
+            <a:r>
+              <a:rPr lang="en-US" dirty="0" smtClean="0"/>
+              <a:t>believe</a:t>
+            </a:r>
+          </a:p>
+          <a:p>
+            <a:pPr marL="0">
+              <a:lnSpc>
+                <a:spcPct val="50000"/>
+              </a:lnSpc>
+              <a:spcBef>
+                <a:spcPts val="0"/>
+              </a:spcBef>
+            </a:pPr>
+            <a:endParaRPr lang="en-US" dirty="0" smtClean="0"/>
+          </a:p>
+          <a:p>
+            <a:pPr marL="0">
+              <a:lnSpc>
+                <a:spcPct val="50000"/>
+              </a:lnSpc>
+              <a:spcBef>
+                <a:spcPts val="0"/>
+              </a:spcBef>
+            </a:pPr>
+            <a:r>
+              <a:rPr lang="en-US" dirty="0" smtClean="0"/>
+              <a:t>support</a:t>
+            </a:r>
+          </a:p>
+          <a:p>
+            <a:pPr marL="0">
+              <a:lnSpc>
+                <a:spcPct val="50000"/>
+              </a:lnSpc>
+              <a:spcBef>
+                <a:spcPts val="0"/>
+              </a:spcBef>
+            </a:pPr>
+            <a:endParaRPr lang="en-US" dirty="0" smtClean="0"/>
+          </a:p>
+          <a:p>
+            <a:pPr marL="0">
+              <a:lnSpc>
+                <a:spcPct val="50000"/>
+              </a:lnSpc>
+              <a:spcBef>
+                <a:spcPts val="0"/>
+              </a:spcBef>
+            </a:pPr>
+            <a:r>
+              <a:rPr lang="en-US" dirty="0" smtClean="0"/>
+              <a:t>interest</a:t>
+            </a:r>
+          </a:p>
+          <a:p>
+            <a:pPr marL="0">
+              <a:lnSpc>
+                <a:spcPct val="50000"/>
+              </a:lnSpc>
+              <a:spcBef>
+                <a:spcPts val="0"/>
+              </a:spcBef>
+            </a:pPr>
+            <a:endParaRPr lang="en-US" dirty="0" smtClean="0"/>
+          </a:p>
+          <a:p>
+            <a:pPr marL="0">
+              <a:lnSpc>
+                <a:spcPct val="50000"/>
+              </a:lnSpc>
+              <a:spcBef>
+                <a:spcPts val="0"/>
+              </a:spcBef>
+            </a:pPr>
+            <a:r>
+              <a:rPr lang="en-US" dirty="0" smtClean="0"/>
+              <a:t>enjoy</a:t>
+            </a:r>
+          </a:p>
+          <a:p>
+            <a:pPr marL="0">
+              <a:lnSpc>
+                <a:spcPct val="50000"/>
+              </a:lnSpc>
+              <a:spcBef>
+                <a:spcPts val="0"/>
+              </a:spcBef>
+            </a:pPr>
+            <a:endParaRPr lang="en-US" dirty="0" smtClean="0"/>
+          </a:p>
+          <a:p>
+            <a:pPr marL="0">
+              <a:lnSpc>
+                <a:spcPct val="50000"/>
+              </a:lnSpc>
+              <a:spcBef>
+                <a:spcPts val="0"/>
+              </a:spcBef>
+            </a:pPr>
+            <a:r>
+              <a:rPr lang="en-US" dirty="0" smtClean="0"/>
+              <a:t>back</a:t>
+            </a:r>
+          </a:p>
+          <a:p>
+            <a:pPr marL="0">
+              <a:lnSpc>
+                <a:spcPct val="50000"/>
+              </a:lnSpc>
+              <a:spcBef>
+                <a:spcPts val="0"/>
+              </a:spcBef>
+            </a:pPr>
+            <a:endParaRPr lang="en-US" dirty="0" smtClean="0"/>
+          </a:p>
+          <a:p>
+            <a:pPr marL="0">
+              <a:lnSpc>
+                <a:spcPct val="50000"/>
+              </a:lnSpc>
+              <a:spcBef>
+                <a:spcPts val="0"/>
+              </a:spcBef>
+            </a:pPr>
+            <a:r>
+              <a:rPr lang="en-US" dirty="0" smtClean="0"/>
+              <a:t>love</a:t>
+            </a:r>
+          </a:p>
+          <a:p>
+            <a:pPr marL="0">
+              <a:lnSpc>
+                <a:spcPct val="50000"/>
+              </a:lnSpc>
+              <a:spcBef>
+                <a:spcPts val="0"/>
+              </a:spcBef>
+            </a:pPr>
+            <a:endParaRPr lang="en-US" dirty="0" smtClean="0"/>
+          </a:p>
+          <a:p>
+            <a:pPr marL="0">
+              <a:lnSpc>
+                <a:spcPct val="50000"/>
+              </a:lnSpc>
+              <a:spcBef>
+                <a:spcPts val="0"/>
+              </a:spcBef>
+            </a:pPr>
+            <a:r>
+              <a:rPr lang="en-US" dirty="0" smtClean="0"/>
+              <a:t>like</a:t>
+            </a:r>
+          </a:p>
+          <a:p>
+            <a:pPr marL="0">
+              <a:lnSpc>
+                <a:spcPct val="50000"/>
+              </a:lnSpc>
+              <a:spcBef>
+                <a:spcPts val="0"/>
+              </a:spcBef>
+            </a:pPr>
+            <a:endParaRPr lang="en-US" dirty="0" smtClean="0"/>
+          </a:p>
+          <a:p>
+            <a:pPr marL="0">
+              <a:lnSpc>
+                <a:spcPct val="50000"/>
+              </a:lnSpc>
+              <a:spcBef>
+                <a:spcPts val="0"/>
+              </a:spcBef>
+            </a:pPr>
+            <a:r>
+              <a:rPr lang="en-US" dirty="0" smtClean="0"/>
+              <a:t>sponsor</a:t>
+            </a:r>
+          </a:p>
+          <a:p>
+            <a:pPr marL="0">
+              <a:lnSpc>
+                <a:spcPct val="50000"/>
+              </a:lnSpc>
+              <a:spcBef>
+                <a:spcPts val="0"/>
+              </a:spcBef>
+            </a:pPr>
+            <a:endParaRPr lang="en-US" dirty="0" smtClean="0"/>
+          </a:p>
+          <a:p>
+            <a:pPr marL="0">
+              <a:lnSpc>
+                <a:spcPct val="50000"/>
+              </a:lnSpc>
+              <a:spcBef>
+                <a:spcPts val="0"/>
+              </a:spcBef>
+            </a:pPr>
+            <a:r>
+              <a:rPr lang="en-US" dirty="0" smtClean="0"/>
+              <a:t>welcome</a:t>
+            </a:r>
+          </a:p>
+          <a:p>
+            <a:pPr marL="0">
+              <a:lnSpc>
+                <a:spcPct val="50000"/>
+              </a:lnSpc>
+              <a:spcBef>
+                <a:spcPts val="0"/>
+              </a:spcBef>
+            </a:pPr>
+            <a:endParaRPr lang="en-US" dirty="0" smtClean="0"/>
+          </a:p>
+          <a:p>
+            <a:pPr marL="0">
+              <a:lnSpc>
+                <a:spcPct val="50000"/>
+              </a:lnSpc>
+              <a:spcBef>
+                <a:spcPts val="0"/>
+              </a:spcBef>
+            </a:pPr>
+            <a:r>
+              <a:rPr lang="en-US" dirty="0" smtClean="0"/>
+              <a:t>likes</a:t>
+            </a:r>
+          </a:p>
+          <a:p>
+            <a:pPr marL="0">
+              <a:lnSpc>
+                <a:spcPct val="50000"/>
+              </a:lnSpc>
+              <a:spcBef>
+                <a:spcPts val="0"/>
+              </a:spcBef>
+            </a:pPr>
+            <a:endParaRPr lang="en-US" dirty="0" smtClean="0"/>
+          </a:p>
+          <a:p>
+            <a:pPr marL="0">
+              <a:lnSpc>
+                <a:spcPct val="50000"/>
+              </a:lnSpc>
+              <a:spcBef>
+                <a:spcPts val="0"/>
+              </a:spcBef>
+            </a:pPr>
+            <a:r>
+              <a:rPr lang="en-US" dirty="0" smtClean="0"/>
+              <a:t>care</a:t>
+            </a:r>
+          </a:p>
+          <a:p>
+            <a:pPr marL="0">
+              <a:lnSpc>
+                <a:spcPct val="50000"/>
+              </a:lnSpc>
+              <a:spcBef>
+                <a:spcPts val="0"/>
+              </a:spcBef>
+            </a:pPr>
+            <a:endParaRPr lang="en-US" dirty="0" smtClean="0"/>
+          </a:p>
+          <a:p>
+            <a:pPr marL="0">
+              <a:lnSpc>
+                <a:spcPct val="50000"/>
+              </a:lnSpc>
+              <a:spcBef>
+                <a:spcPts val="0"/>
+              </a:spcBef>
+            </a:pPr>
+            <a:r>
+              <a:rPr lang="en-US" dirty="0" smtClean="0"/>
+              <a:t>protect</a:t>
+            </a:r>
+          </a:p>
+          <a:p>
+            <a:pPr marL="0">
+              <a:lnSpc>
+                <a:spcPct val="50000"/>
+              </a:lnSpc>
+              <a:spcBef>
+                <a:spcPts val="0"/>
+              </a:spcBef>
+            </a:pPr>
+            <a:endParaRPr lang="en-US" dirty="0" smtClean="0"/>
+          </a:p>
+          <a:p>
+            <a:pPr marL="0">
+              <a:lnSpc>
+                <a:spcPct val="50000"/>
+              </a:lnSpc>
+              <a:spcBef>
+                <a:spcPts val="0"/>
+              </a:spcBef>
+            </a:pPr>
+            <a:r>
+              <a:rPr lang="en-US" dirty="0" smtClean="0"/>
+              <a:t>grant</a:t>
+            </a:r>
+          </a:p>
+          <a:p>
+            <a:pPr marL="0">
+              <a:lnSpc>
+                <a:spcPct val="50000"/>
+              </a:lnSpc>
+              <a:spcBef>
+                <a:spcPts val="0"/>
+              </a:spcBef>
+            </a:pPr>
+            <a:endParaRPr lang="en-US" dirty="0" smtClean="0"/>
+          </a:p>
+          <a:p>
+            <a:pPr marL="0">
+              <a:lnSpc>
+                <a:spcPct val="50000"/>
+              </a:lnSpc>
+              <a:spcBef>
+                <a:spcPts val="0"/>
+              </a:spcBef>
+            </a:pPr>
+            <a:r>
+              <a:rPr lang="en-US" dirty="0" smtClean="0"/>
+              <a:t>relation</a:t>
+            </a:r>
+          </a:p>
+          <a:p>
+            <a:pPr marL="0">
+              <a:lnSpc>
+                <a:spcPct val="50000"/>
+              </a:lnSpc>
+              <a:spcBef>
+                <a:spcPts val="0"/>
+              </a:spcBef>
+            </a:pPr>
+            <a:endParaRPr lang="en-US" dirty="0" smtClean="0"/>
+          </a:p>
+          <a:p>
+            <a:pPr marL="0">
+              <a:lnSpc>
+                <a:spcPct val="50000"/>
+              </a:lnSpc>
+              <a:spcBef>
+                <a:spcPts val="0"/>
+              </a:spcBef>
+            </a:pPr>
+            <a:r>
+              <a:rPr lang="en-US" dirty="0" smtClean="0"/>
+              <a:t>desire</a:t>
+            </a:r>
+          </a:p>
+          <a:p>
+            <a:pPr marL="0">
+              <a:lnSpc>
+                <a:spcPct val="50000"/>
+              </a:lnSpc>
+              <a:spcBef>
+                <a:spcPts val="0"/>
+              </a:spcBef>
+            </a:pPr>
+            <a:endParaRPr lang="en-US" dirty="0" smtClean="0"/>
+          </a:p>
+          <a:p>
+            <a:pPr marL="0">
+              <a:lnSpc>
+                <a:spcPct val="50000"/>
+              </a:lnSpc>
+              <a:spcBef>
+                <a:spcPts val="0"/>
+              </a:spcBef>
+            </a:pPr>
+            <a:r>
+              <a:rPr lang="en-US" dirty="0" err="1" smtClean="0"/>
+              <a:t>favour</a:t>
+            </a:r>
+            <a:endParaRPr lang="en-US" dirty="0" smtClean="0"/>
+          </a:p>
+          <a:p>
+            <a:pPr marL="0">
+              <a:lnSpc>
+                <a:spcPct val="50000"/>
+              </a:lnSpc>
+              <a:spcBef>
+                <a:spcPts val="0"/>
+              </a:spcBef>
+            </a:pPr>
+            <a:endParaRPr lang="en-US" dirty="0" smtClean="0"/>
+          </a:p>
+          <a:p>
+            <a:pPr marL="0">
+              <a:lnSpc>
+                <a:spcPct val="50000"/>
+              </a:lnSpc>
+              <a:spcBef>
+                <a:spcPts val="0"/>
+              </a:spcBef>
+            </a:pPr>
+            <a:r>
+              <a:rPr lang="en-US" dirty="0" smtClean="0"/>
+              <a:t>value</a:t>
+            </a:r>
+          </a:p>
+          <a:p>
+            <a:pPr marL="0">
+              <a:lnSpc>
+                <a:spcPct val="50000"/>
+              </a:lnSpc>
+              <a:spcBef>
+                <a:spcPts val="0"/>
+              </a:spcBef>
+            </a:pPr>
+            <a:endParaRPr lang="en-US" dirty="0" smtClean="0"/>
+          </a:p>
+          <a:p>
+            <a:pPr marL="0">
+              <a:lnSpc>
+                <a:spcPct val="50000"/>
+              </a:lnSpc>
+              <a:spcBef>
+                <a:spcPts val="0"/>
+              </a:spcBef>
+            </a:pPr>
+            <a:r>
+              <a:rPr lang="en-US" dirty="0" smtClean="0"/>
+              <a:t>thanks</a:t>
+            </a:r>
+          </a:p>
+          <a:p>
+            <a:pPr marL="0">
+              <a:lnSpc>
+                <a:spcPct val="50000"/>
+              </a:lnSpc>
+              <a:spcBef>
+                <a:spcPts val="0"/>
+              </a:spcBef>
+            </a:pPr>
+            <a:endParaRPr lang="en-US" dirty="0" smtClean="0"/>
+          </a:p>
+          <a:p>
+            <a:pPr marL="0">
+              <a:lnSpc>
+                <a:spcPct val="50000"/>
+              </a:lnSpc>
+              <a:spcBef>
+                <a:spcPts val="0"/>
+              </a:spcBef>
+            </a:pPr>
+            <a:r>
+              <a:rPr lang="en-US" dirty="0" smtClean="0"/>
+              <a:t>cheer</a:t>
+            </a:r>
+            <a:endParaRPr lang="en-US" dirty="0"/>
+          </a:p>
+        </p:txBody>
+      </p:sp>
+    </p:spTree>
+    <p:extLst>
+      <p:ext uri="{BB962C8B-B14F-4D97-AF65-F5344CB8AC3E}">
+        <p14:creationId xmlns:p14="http://schemas.microsoft.com/office/powerpoint/2010/main" val="1921910874"/>
+      </p:ext>
+    </p:extLst>
+  </p:cSld>
+  <p:clrMapOvr>
+    <a:masterClrMapping/>
+  </p:clrMapOvr>
+</p:sld>
+</file>
+
+<file path=ppt/slides/slide4.xml><?xml version="1.0" encoding="utf-8"?>
 <p:sld xmlns:a="http://schemas.openxmlformats.org/drawingml/2006/main" xmlns:r="http://schemas.openxmlformats.org/officeDocument/2006/relationships" xmlns:p="http://schemas.openxmlformats.org/presentationml/2006/main">
   <p:cSld>
     <p:bg>
